--- a/Capstone Project by Ifeoluwa A..pptx
+++ b/Capstone Project by Ifeoluwa A..pptx
@@ -128,6 +128,11 @@
       </a:defRPr>
     </a:lvl9pPr>
   </p:defaultTextStyle>
+  <p:extLst>
+    <p:ext uri="{EFAFB233-063F-42B5-8137-9DF3F51BA10A}">
+      <p15:sldGuideLst xmlns:p15="http://schemas.microsoft.com/office/powerpoint/2012/main"/>
+    </p:ext>
+  </p:extLst>
 </p:presentation>
 </file>
 
@@ -213,7 +218,7 @@
           <a:p>
             <a:fld id="{AF95D9F5-3B3E-4309-A07D-8BB456CF084C}" type="datetimeFigureOut">
               <a:rPr lang="en-GB" smtClean="0"/>
-              <a:t>03/04/2024</a:t>
+              <a:t>12/04/2024</a:t>
             </a:fld>
             <a:endParaRPr lang="en-GB"/>
           </a:p>
@@ -788,7 +793,7 @@
           <a:p>
             <a:fld id="{669AD764-998C-4C91-A791-C4A91ED4F9C1}" type="datetimeFigureOut">
               <a:rPr lang="en-GB" smtClean="0"/>
-              <a:t>03/04/2024</a:t>
+              <a:t>12/04/2024</a:t>
             </a:fld>
             <a:endParaRPr lang="en-GB"/>
           </a:p>
@@ -999,7 +1004,7 @@
           <a:p>
             <a:fld id="{669AD764-998C-4C91-A791-C4A91ED4F9C1}" type="datetimeFigureOut">
               <a:rPr lang="en-GB" smtClean="0"/>
-              <a:t>03/04/2024</a:t>
+              <a:t>12/04/2024</a:t>
             </a:fld>
             <a:endParaRPr lang="en-GB"/>
           </a:p>
@@ -1214,7 +1219,7 @@
           <a:p>
             <a:fld id="{669AD764-998C-4C91-A791-C4A91ED4F9C1}" type="datetimeFigureOut">
               <a:rPr lang="en-GB" smtClean="0"/>
-              <a:t>03/04/2024</a:t>
+              <a:t>12/04/2024</a:t>
             </a:fld>
             <a:endParaRPr lang="en-GB"/>
           </a:p>
@@ -1415,7 +1420,7 @@
           <a:p>
             <a:fld id="{669AD764-998C-4C91-A791-C4A91ED4F9C1}" type="datetimeFigureOut">
               <a:rPr lang="en-GB" smtClean="0"/>
-              <a:t>03/04/2024</a:t>
+              <a:t>12/04/2024</a:t>
             </a:fld>
             <a:endParaRPr lang="en-GB"/>
           </a:p>
@@ -1694,7 +1699,7 @@
           <a:p>
             <a:fld id="{669AD764-998C-4C91-A791-C4A91ED4F9C1}" type="datetimeFigureOut">
               <a:rPr lang="en-GB" smtClean="0"/>
-              <a:t>03/04/2024</a:t>
+              <a:t>12/04/2024</a:t>
             </a:fld>
             <a:endParaRPr lang="en-GB"/>
           </a:p>
@@ -1962,7 +1967,7 @@
           <a:p>
             <a:fld id="{669AD764-998C-4C91-A791-C4A91ED4F9C1}" type="datetimeFigureOut">
               <a:rPr lang="en-GB" smtClean="0"/>
-              <a:t>03/04/2024</a:t>
+              <a:t>12/04/2024</a:t>
             </a:fld>
             <a:endParaRPr lang="en-GB"/>
           </a:p>
@@ -2378,7 +2383,7 @@
           <a:p>
             <a:fld id="{669AD764-998C-4C91-A791-C4A91ED4F9C1}" type="datetimeFigureOut">
               <a:rPr lang="en-GB" smtClean="0"/>
-              <a:t>03/04/2024</a:t>
+              <a:t>12/04/2024</a:t>
             </a:fld>
             <a:endParaRPr lang="en-GB"/>
           </a:p>
@@ -2527,7 +2532,7 @@
           <a:p>
             <a:fld id="{669AD764-998C-4C91-A791-C4A91ED4F9C1}" type="datetimeFigureOut">
               <a:rPr lang="en-GB" smtClean="0"/>
-              <a:t>03/04/2024</a:t>
+              <a:t>12/04/2024</a:t>
             </a:fld>
             <a:endParaRPr lang="en-GB"/>
           </a:p>
@@ -2653,7 +2658,7 @@
           <a:p>
             <a:fld id="{669AD764-998C-4C91-A791-C4A91ED4F9C1}" type="datetimeFigureOut">
               <a:rPr lang="en-GB" smtClean="0"/>
-              <a:t>03/04/2024</a:t>
+              <a:t>12/04/2024</a:t>
             </a:fld>
             <a:endParaRPr lang="en-GB"/>
           </a:p>
@@ -2904,7 +2909,7 @@
           <a:p>
             <a:fld id="{669AD764-998C-4C91-A791-C4A91ED4F9C1}" type="datetimeFigureOut">
               <a:rPr lang="en-GB" smtClean="0"/>
-              <a:t>03/04/2024</a:t>
+              <a:t>12/04/2024</a:t>
             </a:fld>
             <a:endParaRPr lang="en-GB"/>
           </a:p>
@@ -3349,7 +3354,7 @@
           <a:p>
             <a:fld id="{669AD764-998C-4C91-A791-C4A91ED4F9C1}" type="datetimeFigureOut">
               <a:rPr lang="en-GB" smtClean="0"/>
-              <a:t>03/04/2024</a:t>
+              <a:t>12/04/2024</a:t>
             </a:fld>
             <a:endParaRPr lang="en-GB"/>
           </a:p>
@@ -3676,7 +3681,7 @@
           <a:p>
             <a:fld id="{669AD764-998C-4C91-A791-C4A91ED4F9C1}" type="datetimeFigureOut">
               <a:rPr lang="en-GB" smtClean="0"/>
-              <a:t>03/04/2024</a:t>
+              <a:t>12/04/2024</a:t>
             </a:fld>
             <a:endParaRPr lang="en-GB"/>
           </a:p>
@@ -4346,7 +4351,7 @@
                 <a:effectLst/>
                 <a:latin typeface="system-ui"/>
               </a:rPr>
-              <a:t>73.42% of customers have churned, while 26.58% of customers have not churned. It is represented in the bar chart.</a:t>
+              <a:t>73.42% of customers have not churned, while 26.58% of customers have churned. It is represented in the bar chart.</a:t>
             </a:r>
             <a:endParaRPr lang="en-GB" sz="2400" dirty="0"/>
           </a:p>
@@ -5328,7 +5333,7 @@
               <a:rPr lang="en-US" sz="2400" dirty="0">
                 <a:latin typeface="Stem ui"/>
               </a:rPr>
-              <a:t>The target data, 'Churn', is a categorical data and has a discrete class label. Therefore, I have chosen 3 regression models that are better suited for when the target data is categorical and has a discrete class label.</a:t>
+              <a:t>The target data, 'Churn', is a categorical data and has a discrete class label. Therefore, I have chosen 3 classification models that are better suited for when the target data is categorical and has a discrete class label.</a:t>
             </a:r>
           </a:p>
           <a:p>
@@ -5340,7 +5345,7 @@
               <a:rPr lang="en-US" sz="2400" dirty="0">
                 <a:latin typeface="Stem ui"/>
               </a:rPr>
-              <a:t>I used three supervised learning models: Decision Tree Regression, Support Vector Classification (SVC), </a:t>
+              <a:t>I used three supervised learning models: Decision Tree Classification, Support Vector Classification (SVC), </a:t>
             </a:r>
             <a:r>
               <a:rPr lang="en-US" sz="2400" dirty="0" err="1">
